--- a/Images/Figures_PPT/SARNoRictor.pptx
+++ b/Images/Figures_PPT/SARNoRictor.pptx
@@ -3492,7 +3492,7 @@
           </p:nvSpPr>
           <p:spPr>
             <a:xfrm>
-              <a:off x="5271863" y="5167303"/>
+              <a:off x="5269988" y="5168862"/>
               <a:ext cx="1566579" cy="157737"/>
             </a:xfrm>
             <a:prstGeom prst="rect">
@@ -3538,7 +3538,7 @@
           </p:nvSpPr>
           <p:spPr>
             <a:xfrm>
-              <a:off x="5566960" y="5473687"/>
+              <a:off x="5565084" y="5475246"/>
               <a:ext cx="976386" cy="163560"/>
             </a:xfrm>
             <a:prstGeom prst="rect">
@@ -3584,7 +3584,7 @@
           </p:nvSpPr>
           <p:spPr>
             <a:xfrm>
-              <a:off x="3839124" y="3369267"/>
+              <a:off x="3840267" y="3368102"/>
               <a:ext cx="1470136" cy="200824"/>
             </a:xfrm>
             <a:prstGeom prst="rect">
@@ -3630,7 +3630,7 @@
           </p:nvSpPr>
           <p:spPr>
             <a:xfrm>
-              <a:off x="4146289" y="3718738"/>
+              <a:off x="4147432" y="3717573"/>
               <a:ext cx="855806" cy="163560"/>
             </a:xfrm>
             <a:prstGeom prst="rect">
@@ -3676,7 +3676,7 @@
           </p:nvSpPr>
           <p:spPr>
             <a:xfrm>
-              <a:off x="4530511" y="2614477"/>
+              <a:off x="4531933" y="2613267"/>
               <a:ext cx="1156990" cy="198283"/>
             </a:xfrm>
             <a:prstGeom prst="rect">
@@ -3722,7 +3722,7 @@
           </p:nvSpPr>
           <p:spPr>
             <a:xfrm>
-              <a:off x="4620813" y="2961407"/>
+              <a:off x="4622235" y="2960197"/>
               <a:ext cx="976386" cy="163560"/>
             </a:xfrm>
             <a:prstGeom prst="rect">

--- a/Images/Figures_PPT/SARNoRictor.pptx
+++ b/Images/Figures_PPT/SARNoRictor.pptx
@@ -3492,7 +3492,7 @@
           </p:nvSpPr>
           <p:spPr>
             <a:xfrm>
-              <a:off x="5269988" y="5168862"/>
+              <a:off x="5855948" y="4583028"/>
               <a:ext cx="1566579" cy="157737"/>
             </a:xfrm>
             <a:prstGeom prst="rect">
@@ -3538,7 +3538,7 @@
           </p:nvSpPr>
           <p:spPr>
             <a:xfrm>
-              <a:off x="5565084" y="5475246"/>
+              <a:off x="6151045" y="4889412"/>
               <a:ext cx="976386" cy="163560"/>
             </a:xfrm>
             <a:prstGeom prst="rect">
@@ -3584,7 +3584,7 @@
           </p:nvSpPr>
           <p:spPr>
             <a:xfrm>
-              <a:off x="3840267" y="3368102"/>
+              <a:off x="3717972" y="3490613"/>
               <a:ext cx="1470136" cy="200824"/>
             </a:xfrm>
             <a:prstGeom prst="rect">
@@ -3630,7 +3630,7 @@
           </p:nvSpPr>
           <p:spPr>
             <a:xfrm>
-              <a:off x="4147432" y="3717573"/>
+              <a:off x="4025137" y="3840083"/>
               <a:ext cx="855806" cy="163560"/>
             </a:xfrm>
             <a:prstGeom prst="rect">
@@ -3676,7 +3676,7 @@
           </p:nvSpPr>
           <p:spPr>
             <a:xfrm>
-              <a:off x="4531933" y="2613267"/>
+              <a:off x="4068564" y="3076399"/>
               <a:ext cx="1156990" cy="198283"/>
             </a:xfrm>
             <a:prstGeom prst="rect">
@@ -3722,7 +3722,7 @@
           </p:nvSpPr>
           <p:spPr>
             <a:xfrm>
-              <a:off x="4622235" y="2960197"/>
+              <a:off x="4158867" y="3423329"/>
               <a:ext cx="976386" cy="163560"/>
             </a:xfrm>
             <a:prstGeom prst="rect">

--- a/Images/Figures_PPT/SARNoRictor.pptx
+++ b/Images/Figures_PPT/SARNoRictor.pptx
@@ -3492,7 +3492,7 @@
           </p:nvSpPr>
           <p:spPr>
             <a:xfrm>
-              <a:off x="5855948" y="4583028"/>
+              <a:off x="5855906" y="4583072"/>
               <a:ext cx="1566579" cy="157737"/>
             </a:xfrm>
             <a:prstGeom prst="rect">
@@ -3538,7 +3538,7 @@
           </p:nvSpPr>
           <p:spPr>
             <a:xfrm>
-              <a:off x="6151045" y="4889412"/>
+              <a:off x="6151003" y="4889456"/>
               <a:ext cx="976386" cy="163560"/>
             </a:xfrm>
             <a:prstGeom prst="rect">
@@ -3584,7 +3584,7 @@
           </p:nvSpPr>
           <p:spPr>
             <a:xfrm>
-              <a:off x="3717972" y="3490613"/>
+              <a:off x="3254688" y="3953704"/>
               <a:ext cx="1470136" cy="200824"/>
             </a:xfrm>
             <a:prstGeom prst="rect">
@@ -3630,7 +3630,7 @@
           </p:nvSpPr>
           <p:spPr>
             <a:xfrm>
-              <a:off x="4025137" y="3840083"/>
+              <a:off x="3561853" y="4303175"/>
               <a:ext cx="855806" cy="163560"/>
             </a:xfrm>
             <a:prstGeom prst="rect">
@@ -3676,7 +3676,7 @@
           </p:nvSpPr>
           <p:spPr>
             <a:xfrm>
-              <a:off x="4068564" y="3076399"/>
+              <a:off x="4532580" y="2612441"/>
               <a:ext cx="1156990" cy="198283"/>
             </a:xfrm>
             <a:prstGeom prst="rect">
@@ -3722,7 +3722,7 @@
           </p:nvSpPr>
           <p:spPr>
             <a:xfrm>
-              <a:off x="4158867" y="3423329"/>
+              <a:off x="4622882" y="2959371"/>
               <a:ext cx="976386" cy="163560"/>
             </a:xfrm>
             <a:prstGeom prst="rect">

--- a/Images/Figures_PPT/SARNoRictor.pptx
+++ b/Images/Figures_PPT/SARNoRictor.pptx
@@ -3492,7 +3492,7 @@
           </p:nvSpPr>
           <p:spPr>
             <a:xfrm>
-              <a:off x="5855906" y="4583072"/>
+              <a:off x="5856322" y="4582616"/>
               <a:ext cx="1566579" cy="157737"/>
             </a:xfrm>
             <a:prstGeom prst="rect">
@@ -3538,7 +3538,7 @@
           </p:nvSpPr>
           <p:spPr>
             <a:xfrm>
-              <a:off x="6151003" y="4889456"/>
+              <a:off x="6151419" y="4889000"/>
               <a:ext cx="976386" cy="163560"/>
             </a:xfrm>
             <a:prstGeom prst="rect">
@@ -3584,7 +3584,7 @@
           </p:nvSpPr>
           <p:spPr>
             <a:xfrm>
-              <a:off x="3254688" y="3953704"/>
+              <a:off x="3717622" y="3490258"/>
               <a:ext cx="1470136" cy="200824"/>
             </a:xfrm>
             <a:prstGeom prst="rect">
@@ -3630,7 +3630,7 @@
           </p:nvSpPr>
           <p:spPr>
             <a:xfrm>
-              <a:off x="3561853" y="4303175"/>
+              <a:off x="4024787" y="3839729"/>
               <a:ext cx="855806" cy="163560"/>
             </a:xfrm>
             <a:prstGeom prst="rect">
@@ -3676,7 +3676,7 @@
           </p:nvSpPr>
           <p:spPr>
             <a:xfrm>
-              <a:off x="4532580" y="2612441"/>
+              <a:off x="4068607" y="3076443"/>
               <a:ext cx="1156990" cy="198283"/>
             </a:xfrm>
             <a:prstGeom prst="rect">
@@ -3722,7 +3722,7 @@
           </p:nvSpPr>
           <p:spPr>
             <a:xfrm>
-              <a:off x="4622882" y="2959371"/>
+              <a:off x="4158909" y="3423373"/>
               <a:ext cx="976386" cy="163560"/>
             </a:xfrm>
             <a:prstGeom prst="rect">
